--- a/lectures/3/Problem & Intro to Project.pptx
+++ b/lectures/3/Problem & Intro to Project.pptx
@@ -5,16 +5,18 @@
     <p:sldMasterId id="2147483648" r:id="rId4"/>
   </p:sldMasterIdLst>
   <p:notesMasterIdLst>
-    <p:notesMasterId r:id="rId9"/>
+    <p:notesMasterId r:id="rId11"/>
   </p:notesMasterIdLst>
   <p:handoutMasterIdLst>
-    <p:handoutMasterId r:id="rId10"/>
+    <p:handoutMasterId r:id="rId12"/>
   </p:handoutMasterIdLst>
   <p:sldIdLst>
     <p:sldId id="256" r:id="rId5"/>
     <p:sldId id="257" r:id="rId6"/>
     <p:sldId id="258" r:id="rId7"/>
-    <p:sldId id="259" r:id="rId8"/>
+    <p:sldId id="260" r:id="rId8"/>
+    <p:sldId id="261" r:id="rId9"/>
+    <p:sldId id="259" r:id="rId10"/>
   </p:sldIdLst>
   <p:sldSz cx="12192000" cy="6858000"/>
   <p:notesSz cx="6858000" cy="9144000"/>
@@ -3535,7 +3537,7 @@
           <a:p>
             <a:fld id="{73B2889B-A0AC-4482-8592-5C96F2309420}" type="datetimeFigureOut">
               <a:rPr lang="en-US" smtClean="0"/>
-              <a:t>5/31/2021</a:t>
+              <a:t>6/3/2021</a:t>
             </a:fld>
             <a:endParaRPr lang="en-US"/>
           </a:p>
@@ -3712,7 +3714,7 @@
           <a:p>
             <a:fld id="{830EB223-FFC0-462A-A3B8-EAA7CE0F8CBD}" type="datetimeFigureOut">
               <a:rPr lang="en-US" smtClean="0"/>
-              <a:t>5/31/2021</a:t>
+              <a:t>6/3/2021</a:t>
             </a:fld>
             <a:endParaRPr lang="en-US" dirty="0"/>
           </a:p>
@@ -3979,6 +3981,458 @@
 </p:notesMaster>
 </file>
 
+<file path=ppt/notesSlides/notesSlide1.xml><?xml version="1.0" encoding="utf-8"?>
+<p:notes xmlns:a="http://schemas.openxmlformats.org/drawingml/2006/main" xmlns:r="http://schemas.openxmlformats.org/officeDocument/2006/relationships" xmlns:p="http://schemas.openxmlformats.org/presentationml/2006/main">
+  <p:cSld>
+    <p:spTree>
+      <p:nvGrpSpPr>
+        <p:cNvPr id="1" name=""/>
+        <p:cNvGrpSpPr/>
+        <p:nvPr/>
+      </p:nvGrpSpPr>
+      <p:grpSpPr>
+        <a:xfrm>
+          <a:off x="0" y="0"/>
+          <a:ext cx="0" cy="0"/>
+          <a:chOff x="0" y="0"/>
+          <a:chExt cx="0" cy="0"/>
+        </a:xfrm>
+      </p:grpSpPr>
+      <p:sp>
+        <p:nvSpPr>
+          <p:cNvPr id="2" name="Slide Image Placeholder 1"/>
+          <p:cNvSpPr>
+            <a:spLocks noGrp="1" noRot="1" noChangeAspect="1"/>
+          </p:cNvSpPr>
+          <p:nvPr>
+            <p:ph type="sldImg"/>
+          </p:nvPr>
+        </p:nvSpPr>
+        <p:spPr/>
+      </p:sp>
+      <p:sp>
+        <p:nvSpPr>
+          <p:cNvPr id="3" name="Notes Placeholder 2"/>
+          <p:cNvSpPr>
+            <a:spLocks noGrp="1"/>
+          </p:cNvSpPr>
+          <p:nvPr>
+            <p:ph type="body" idx="1"/>
+          </p:nvPr>
+        </p:nvSpPr>
+        <p:spPr/>
+        <p:txBody>
+          <a:bodyPr/>
+          <a:lstStyle/>
+          <a:p>
+            <a:r>
+              <a:rPr lang="en-US" dirty="0"/>
+              <a:t>Hypothesis: A statement that specifies how two or more measurable variables are related </a:t>
+            </a:r>
+          </a:p>
+          <a:p>
+            <a:r>
+              <a:rPr lang="en-US" dirty="0" err="1"/>
+              <a:t>H1</a:t>
+            </a:r>
+            <a:r>
+              <a:rPr lang="en-US" dirty="0"/>
+              <a:t>: women are more likely than men to make impulse purchases of our brand </a:t>
+            </a:r>
+          </a:p>
+          <a:p>
+            <a:r>
+              <a:rPr lang="en-US" dirty="0" err="1"/>
+              <a:t>H2</a:t>
+            </a:r>
+            <a:r>
+              <a:rPr lang="en-US" dirty="0"/>
+              <a:t>: Decreasing price by 10% will increase unit sales by 30%</a:t>
+            </a:r>
+          </a:p>
+          <a:p>
+            <a:r>
+              <a:rPr lang="en-US" dirty="0" err="1"/>
+              <a:t>H3</a:t>
+            </a:r>
+            <a:r>
+              <a:rPr lang="en-US" dirty="0"/>
+              <a:t>: Adoption of our new product will be greater than Northern states than in Southern states </a:t>
+            </a:r>
+          </a:p>
+          <a:p>
+            <a:endParaRPr lang="en-US" dirty="0"/>
+          </a:p>
+          <a:p>
+            <a:r>
+              <a:rPr lang="en-US" dirty="0"/>
+              <a:t>Why conduct exploratory research? </a:t>
+            </a:r>
+          </a:p>
+          <a:p>
+            <a:pPr marL="171450" indent="-171450">
+              <a:buFont typeface="Arial" panose="020B0604020202020204" pitchFamily="34" charset="0"/>
+              <a:buChar char="•"/>
+            </a:pPr>
+            <a:r>
+              <a:rPr lang="en-US" dirty="0"/>
+              <a:t>Develop hypotheses </a:t>
+            </a:r>
+          </a:p>
+          <a:p>
+            <a:pPr marL="171450" indent="-171450">
+              <a:buFont typeface="Arial" panose="020B0604020202020204" pitchFamily="34" charset="0"/>
+              <a:buChar char="•"/>
+            </a:pPr>
+            <a:r>
+              <a:rPr lang="en-US" dirty="0"/>
+              <a:t>Better formulate the manager’s decision problem </a:t>
+            </a:r>
+          </a:p>
+          <a:p>
+            <a:pPr marL="171450" indent="-171450">
+              <a:buFont typeface="Arial" panose="020B0604020202020204" pitchFamily="34" charset="0"/>
+              <a:buChar char="•"/>
+            </a:pPr>
+            <a:r>
+              <a:rPr lang="en-US" dirty="0"/>
+              <a:t>Increase researcher’s familiarity with the problem </a:t>
+            </a:r>
+          </a:p>
+          <a:p>
+            <a:pPr marL="171450" indent="-171450">
+              <a:buFont typeface="Arial" panose="020B0604020202020204" pitchFamily="34" charset="0"/>
+              <a:buChar char="•"/>
+            </a:pPr>
+            <a:r>
+              <a:rPr lang="en-US" dirty="0"/>
+              <a:t>Clarify concepts </a:t>
+            </a:r>
+          </a:p>
+          <a:p>
+            <a:pPr marL="171450" indent="-171450">
+              <a:buFont typeface="Arial" panose="020B0604020202020204" pitchFamily="34" charset="0"/>
+              <a:buChar char="•"/>
+            </a:pPr>
+            <a:endParaRPr lang="en-US" dirty="0"/>
+          </a:p>
+          <a:p>
+            <a:pPr marL="0" indent="0">
+              <a:buFont typeface="Arial" panose="020B0604020202020204" pitchFamily="34" charset="0"/>
+              <a:buNone/>
+            </a:pPr>
+            <a:r>
+              <a:rPr lang="en-US" dirty="0"/>
+              <a:t>Exploratory Studies: </a:t>
+            </a:r>
+          </a:p>
+          <a:p>
+            <a:pPr marL="171450" indent="-171450">
+              <a:buFont typeface="Arial" panose="020B0604020202020204" pitchFamily="34" charset="0"/>
+              <a:buChar char="•"/>
+            </a:pPr>
+            <a:r>
+              <a:rPr lang="en-US" dirty="0"/>
+              <a:t>Literature Search: A search of statistics, trade journal articles, other articles, magazines, newspapers, books, and or online sources for data or insight into the problem at hand</a:t>
+            </a:r>
+          </a:p>
+          <a:p>
+            <a:pPr marL="171450" indent="-171450">
+              <a:buFont typeface="Arial" panose="020B0604020202020204" pitchFamily="34" charset="0"/>
+              <a:buChar char="•"/>
+            </a:pPr>
+            <a:r>
+              <a:rPr lang="en-US" dirty="0"/>
+              <a:t>Depth Interviews: Interviews with people knowledgeable about the general subject being investigated (</a:t>
+            </a:r>
+            <a:r>
+              <a:rPr lang="en-US" dirty="0" err="1"/>
+              <a:t>e.g</a:t>
+            </a:r>
+            <a:r>
+              <a:rPr lang="en-US" dirty="0"/>
+              <a:t>, those work with it, those who study it, those who lit it ) </a:t>
+            </a:r>
+          </a:p>
+          <a:p>
+            <a:pPr marL="171450" indent="-171450">
+              <a:buFont typeface="Arial" panose="020B0604020202020204" pitchFamily="34" charset="0"/>
+              <a:buChar char="•"/>
+            </a:pPr>
+            <a:r>
+              <a:rPr lang="en-US" dirty="0"/>
+              <a:t>Focus groups: An interview conducted among a small number of individuals simultaneously; the interview relies more on group discussion than on directed questions to generate data. Typically, 8 to 12, in 1.5 to 2 hours in length; homogeneous within group; heterogeneity introduced across groups; participants carefully screened; sessions recorded and transcribed. Traditional focus groups vs. Online focus groups. Moderator: the individual that meets with focus group participants and guides the session, moderator’s guidebook: an ordered list of the general (and specific) issues to be addressed during a focus group; the issues normally should move from general to specific. </a:t>
+            </a:r>
+          </a:p>
+          <a:p>
+            <a:pPr marL="628650" lvl="1" indent="-171450">
+              <a:buFont typeface="Arial" panose="020B0604020202020204" pitchFamily="34" charset="0"/>
+              <a:buChar char="•"/>
+            </a:pPr>
+            <a:r>
+              <a:rPr lang="en-US" dirty="0"/>
+              <a:t>Characteristics god good focus group moderators: </a:t>
+            </a:r>
+          </a:p>
+          <a:p>
+            <a:pPr marL="1085850" lvl="2" indent="-171450">
+              <a:buFont typeface="Arial" panose="020B0604020202020204" pitchFamily="34" charset="0"/>
+              <a:buChar char="•"/>
+            </a:pPr>
+            <a:r>
+              <a:rPr lang="en-US" dirty="0"/>
+              <a:t>Superior listening ability </a:t>
+            </a:r>
+          </a:p>
+          <a:p>
+            <a:pPr marL="1085850" lvl="2" indent="-171450">
+              <a:buFont typeface="Arial" panose="020B0604020202020204" pitchFamily="34" charset="0"/>
+              <a:buChar char="•"/>
+            </a:pPr>
+            <a:r>
+              <a:rPr lang="en-US" dirty="0"/>
+              <a:t>Excellent short-term auditory memory </a:t>
+            </a:r>
+          </a:p>
+          <a:p>
+            <a:pPr marL="1085850" lvl="2" indent="-171450">
+              <a:buFont typeface="Arial" panose="020B0604020202020204" pitchFamily="34" charset="0"/>
+              <a:buChar char="•"/>
+            </a:pPr>
+            <a:r>
+              <a:rPr lang="en-US" dirty="0"/>
+              <a:t>Well-organized </a:t>
+            </a:r>
+          </a:p>
+          <a:p>
+            <a:pPr marL="1085850" lvl="2" indent="-171450">
+              <a:buFont typeface="Arial" panose="020B0604020202020204" pitchFamily="34" charset="0"/>
+              <a:buChar char="•"/>
+            </a:pPr>
+            <a:r>
+              <a:rPr lang="en-US" dirty="0"/>
+              <a:t>A quick learner </a:t>
+            </a:r>
+          </a:p>
+          <a:p>
+            <a:pPr marL="1085850" lvl="2" indent="-171450">
+              <a:buFont typeface="Arial" panose="020B0604020202020204" pitchFamily="34" charset="0"/>
+              <a:buChar char="•"/>
+            </a:pPr>
+            <a:r>
+              <a:rPr lang="en-US" dirty="0"/>
+              <a:t>High energy level </a:t>
+            </a:r>
+          </a:p>
+          <a:p>
+            <a:pPr marL="1085850" lvl="2" indent="-171450">
+              <a:buFont typeface="Arial" panose="020B0604020202020204" pitchFamily="34" charset="0"/>
+              <a:buChar char="•"/>
+            </a:pPr>
+            <a:r>
+              <a:rPr lang="en-US" dirty="0"/>
+              <a:t>Personable </a:t>
+            </a:r>
+          </a:p>
+          <a:p>
+            <a:pPr marL="1085850" lvl="2" indent="-171450">
+              <a:buFont typeface="Arial" panose="020B0604020202020204" pitchFamily="34" charset="0"/>
+              <a:buChar char="•"/>
+            </a:pPr>
+            <a:r>
+              <a:rPr lang="en-US" dirty="0"/>
+              <a:t>Well-above-average intelligence </a:t>
+            </a:r>
+          </a:p>
+          <a:p>
+            <a:pPr marL="628650" lvl="1" indent="-171450">
+              <a:buFont typeface="Arial" panose="020B0604020202020204" pitchFamily="34" charset="0"/>
+              <a:buChar char="•"/>
+            </a:pPr>
+            <a:r>
+              <a:rPr lang="en-US" dirty="0"/>
+              <a:t>The Dark side of focus groups: </a:t>
+            </a:r>
+          </a:p>
+          <a:p>
+            <a:pPr marL="1085850" lvl="2" indent="-171450">
+              <a:buFont typeface="Arial" panose="020B0604020202020204" pitchFamily="34" charset="0"/>
+              <a:buChar char="•"/>
+            </a:pPr>
+            <a:r>
+              <a:rPr lang="en-US" dirty="0"/>
+              <a:t>Easy for managers to see what they expect to see in focus group results (i.e., confirmation bias). Focus groups are only one form of exploratory research _ they should not be expected to deliver final results or answers to decision problem</a:t>
+            </a:r>
+          </a:p>
+          <a:p>
+            <a:pPr marL="628650" lvl="1" indent="-171450">
+              <a:buFont typeface="Arial" panose="020B0604020202020204" pitchFamily="34" charset="0"/>
+              <a:buChar char="•"/>
+            </a:pPr>
+            <a:r>
+              <a:rPr lang="en-US" dirty="0"/>
+              <a:t>Nominal groups: A group interview technique that initially limits respondent interaction while attempting to maximize input from individual group members. </a:t>
+            </a:r>
+          </a:p>
+          <a:p>
+            <a:pPr marL="171450" indent="-171450">
+              <a:buFont typeface="Arial" panose="020B0604020202020204" pitchFamily="34" charset="0"/>
+              <a:buChar char="•"/>
+            </a:pPr>
+            <a:r>
+              <a:rPr lang="en-US" dirty="0"/>
+              <a:t>Data Mining: the use of powerful analytic technologies to quickly and thoroughly explore mountains of data to obtain useful information </a:t>
+            </a:r>
+          </a:p>
+          <a:p>
+            <a:pPr marL="628650" lvl="1" indent="-171450">
+              <a:buFont typeface="Arial" panose="020B0604020202020204" pitchFamily="34" charset="0"/>
+              <a:buChar char="•"/>
+            </a:pPr>
+            <a:r>
+              <a:rPr lang="en-US" dirty="0"/>
+              <a:t>Although most forms of exploratory research are qualitative in nature, data mining involves sophisticated quantitative analysis of data held in a company’s databases </a:t>
+            </a:r>
+          </a:p>
+          <a:p>
+            <a:pPr marL="171450" indent="-171450">
+              <a:buFont typeface="Arial" panose="020B0604020202020204" pitchFamily="34" charset="0"/>
+              <a:buChar char="•"/>
+            </a:pPr>
+            <a:r>
+              <a:rPr lang="en-US" dirty="0"/>
+              <a:t>Case Analyses: Intensive study of selected examples of the phenomenon of interest</a:t>
+            </a:r>
+          </a:p>
+          <a:p>
+            <a:pPr marL="171450" indent="-171450">
+              <a:buFont typeface="Arial" panose="020B0604020202020204" pitchFamily="34" charset="0"/>
+              <a:buChar char="•"/>
+            </a:pPr>
+            <a:r>
+              <a:rPr lang="en-US" dirty="0"/>
+              <a:t>Ethnography: the detailed observation of consumers during their ordinary daily lives using direct observations, interviews, and video and audio recordings. </a:t>
+            </a:r>
+          </a:p>
+          <a:p>
+            <a:pPr marL="171450" indent="-171450">
+              <a:buFont typeface="Arial" panose="020B0604020202020204" pitchFamily="34" charset="0"/>
+              <a:buChar char="•"/>
+            </a:pPr>
+            <a:r>
+              <a:rPr lang="en-US" dirty="0"/>
+              <a:t>Benchmarking; using organizations that excel at some function as sources of ideas for improvement. </a:t>
+            </a:r>
+          </a:p>
+          <a:p>
+            <a:pPr marL="171450" indent="-171450">
+              <a:buFont typeface="Arial" panose="020B0604020202020204" pitchFamily="34" charset="0"/>
+              <a:buChar char="•"/>
+            </a:pPr>
+            <a:r>
+              <a:rPr lang="en-US" dirty="0"/>
+              <a:t>Projective Methods: Methods that encourage respondents to reveal their own feelings, thoughts, and behaviors by shifting the focus away from the individual through the sue of indirect tasks. </a:t>
+            </a:r>
+          </a:p>
+          <a:p>
+            <a:pPr marL="628650" lvl="1" indent="-171450">
+              <a:buFont typeface="Arial" panose="020B0604020202020204" pitchFamily="34" charset="0"/>
+              <a:buChar char="•"/>
+            </a:pPr>
+            <a:r>
+              <a:rPr lang="en-US" dirty="0"/>
+              <a:t>Word association </a:t>
+            </a:r>
+          </a:p>
+          <a:p>
+            <a:pPr marL="628650" lvl="1" indent="-171450">
+              <a:buFont typeface="Arial" panose="020B0604020202020204" pitchFamily="34" charset="0"/>
+              <a:buChar char="•"/>
+            </a:pPr>
+            <a:r>
+              <a:rPr lang="en-US" dirty="0"/>
+              <a:t>Sentence completion </a:t>
+            </a:r>
+          </a:p>
+          <a:p>
+            <a:pPr marL="628650" lvl="1" indent="-171450">
+              <a:buFont typeface="Arial" panose="020B0604020202020204" pitchFamily="34" charset="0"/>
+              <a:buChar char="•"/>
+            </a:pPr>
+            <a:r>
+              <a:rPr lang="en-US" dirty="0"/>
+              <a:t>Storytelling </a:t>
+            </a:r>
+          </a:p>
+          <a:p>
+            <a:pPr marL="628650" lvl="1" indent="-171450">
+              <a:buFont typeface="Arial" panose="020B0604020202020204" pitchFamily="34" charset="0"/>
+              <a:buChar char="•"/>
+            </a:pPr>
+            <a:r>
+              <a:rPr lang="en-US" dirty="0"/>
+              <a:t>Role Playing</a:t>
+            </a:r>
+          </a:p>
+          <a:p>
+            <a:pPr marL="0" indent="0">
+              <a:buFont typeface="Arial" panose="020B0604020202020204" pitchFamily="34" charset="0"/>
+              <a:buNone/>
+            </a:pPr>
+            <a:endParaRPr lang="en-US" dirty="0"/>
+          </a:p>
+          <a:p>
+            <a:pPr marL="0" indent="0">
+              <a:buFont typeface="Arial" panose="020B0604020202020204" pitchFamily="34" charset="0"/>
+              <a:buNone/>
+            </a:pPr>
+            <a:endParaRPr lang="en-US" dirty="0"/>
+          </a:p>
+          <a:p>
+            <a:pPr marL="171450" indent="-171450">
+              <a:buFont typeface="Arial" panose="020B0604020202020204" pitchFamily="34" charset="0"/>
+              <a:buChar char="•"/>
+            </a:pPr>
+            <a:endParaRPr lang="en-US" dirty="0"/>
+          </a:p>
+        </p:txBody>
+      </p:sp>
+      <p:sp>
+        <p:nvSpPr>
+          <p:cNvPr id="4" name="Slide Number Placeholder 3"/>
+          <p:cNvSpPr>
+            <a:spLocks noGrp="1"/>
+          </p:cNvSpPr>
+          <p:nvPr>
+            <p:ph type="sldNum" sz="quarter" idx="5"/>
+          </p:nvPr>
+        </p:nvSpPr>
+        <p:spPr/>
+        <p:txBody>
+          <a:bodyPr/>
+          <a:lstStyle/>
+          <a:p>
+            <a:fld id="{BC849E9A-41F7-4779-A581-48A7C374A227}" type="slidenum">
+              <a:rPr lang="en-US" smtClean="0"/>
+              <a:t>5</a:t>
+            </a:fld>
+            <a:endParaRPr lang="en-US" dirty="0"/>
+          </a:p>
+        </p:txBody>
+      </p:sp>
+    </p:spTree>
+    <p:extLst>
+      <p:ext uri="{BB962C8B-B14F-4D97-AF65-F5344CB8AC3E}">
+        <p14:creationId xmlns:p14="http://schemas.microsoft.com/office/powerpoint/2010/main" val="2858874064"/>
+      </p:ext>
+    </p:extLst>
+  </p:cSld>
+  <p:clrMapOvr>
+    <a:masterClrMapping/>
+  </p:clrMapOvr>
+</p:notes>
+</file>
+
 <file path=ppt/slideLayouts/slideLayout1.xml><?xml version="1.0" encoding="utf-8"?>
 <p:sldLayout xmlns:a="http://schemas.openxmlformats.org/drawingml/2006/main" xmlns:r="http://schemas.openxmlformats.org/officeDocument/2006/relationships" xmlns:p="http://schemas.openxmlformats.org/presentationml/2006/main" type="title" preserve="1">
   <p:cSld name="Title Slide">
@@ -4126,7 +4580,7 @@
           <a:p>
             <a:fld id="{C4C580A7-BF87-4E24-9D9F-4AE18F6CEECE}" type="datetime1">
               <a:rPr lang="en-US" smtClean="0"/>
-              <a:t>5/31/2021</a:t>
+              <a:t>6/3/2021</a:t>
             </a:fld>
             <a:endParaRPr lang="en-US" dirty="0"/>
           </a:p>
@@ -4328,7 +4782,7 @@
           <a:p>
             <a:fld id="{80A0DE87-DC9E-4898-8F68-9C316F1777EB}" type="datetime1">
               <a:rPr lang="en-US" smtClean="0"/>
-              <a:t>5/31/2021</a:t>
+              <a:t>6/3/2021</a:t>
             </a:fld>
             <a:endParaRPr lang="en-US" dirty="0"/>
           </a:p>
@@ -4540,7 +4994,7 @@
           <a:p>
             <a:fld id="{1DC1AD7B-CB30-4EF2-9CE7-4A04A2DC68F4}" type="datetime1">
               <a:rPr lang="en-US" smtClean="0"/>
-              <a:t>5/31/2021</a:t>
+              <a:t>6/3/2021</a:t>
             </a:fld>
             <a:endParaRPr lang="en-US" dirty="0"/>
           </a:p>
@@ -4742,7 +5196,7 @@
           <a:p>
             <a:fld id="{BDF3D79F-730D-4BB9-BF85-4522B85CF306}" type="datetime1">
               <a:rPr lang="en-US" smtClean="0"/>
-              <a:t>5/31/2021</a:t>
+              <a:t>6/3/2021</a:t>
             </a:fld>
             <a:endParaRPr lang="en-US" dirty="0"/>
           </a:p>
@@ -5021,7 +5475,7 @@
           <a:p>
             <a:fld id="{D4BE1629-F8B4-40AA-9BC3-0B338C1B9625}" type="datetime1">
               <a:rPr lang="en-US" smtClean="0"/>
-              <a:t>5/31/2021</a:t>
+              <a:t>6/3/2021</a:t>
             </a:fld>
             <a:endParaRPr lang="en-US" dirty="0"/>
           </a:p>
@@ -5290,7 +5744,7 @@
           <a:p>
             <a:fld id="{7C1FBCF5-F565-4977-B692-7BF53372792D}" type="datetime1">
               <a:rPr lang="en-US" smtClean="0"/>
-              <a:t>5/31/2021</a:t>
+              <a:t>6/3/2021</a:t>
             </a:fld>
             <a:endParaRPr lang="en-US" dirty="0"/>
           </a:p>
@@ -5706,7 +6160,7 @@
           <a:p>
             <a:fld id="{1BBE6821-B997-43E7-BA7B-770BEF830D06}" type="datetime1">
               <a:rPr lang="en-US" smtClean="0"/>
-              <a:t>5/31/2021</a:t>
+              <a:t>6/3/2021</a:t>
             </a:fld>
             <a:endParaRPr lang="en-US" dirty="0"/>
           </a:p>
@@ -5851,7 +6305,7 @@
           <a:p>
             <a:fld id="{9441C9E8-6E77-47AD-96C3-822678961811}" type="datetime1">
               <a:rPr lang="en-US" smtClean="0"/>
-              <a:t>5/31/2021</a:t>
+              <a:t>6/3/2021</a:t>
             </a:fld>
             <a:endParaRPr lang="en-US" dirty="0"/>
           </a:p>
@@ -5968,7 +6422,7 @@
           <a:p>
             <a:fld id="{DCCFB319-6559-408D-9D93-B1AC6279280D}" type="datetime1">
               <a:rPr lang="en-US" smtClean="0"/>
-              <a:t>5/31/2021</a:t>
+              <a:t>6/3/2021</a:t>
             </a:fld>
             <a:endParaRPr lang="en-US" dirty="0"/>
           </a:p>
@@ -6283,7 +6737,7 @@
           <a:p>
             <a:fld id="{5CCA4A21-E605-4D50-8A8A-45A656F1C70A}" type="datetime1">
               <a:rPr lang="en-US" smtClean="0"/>
-              <a:t>5/31/2021</a:t>
+              <a:t>6/3/2021</a:t>
             </a:fld>
             <a:endParaRPr lang="en-US" dirty="0"/>
           </a:p>
@@ -6579,7 +7033,7 @@
           <a:p>
             <a:fld id="{5DBF0B05-2FD2-44DF-B02A-AC31A0B7257E}" type="datetime1">
               <a:rPr lang="en-US" smtClean="0"/>
-              <a:t>5/31/2021</a:t>
+              <a:t>6/3/2021</a:t>
             </a:fld>
             <a:endParaRPr lang="en-US" dirty="0"/>
           </a:p>
@@ -6824,7 +7278,7 @@
           <a:p>
             <a:fld id="{2582D5F5-5A4E-4FA6-A091-A83A15D5E43B}" type="datetime1">
               <a:rPr lang="en-US" smtClean="0"/>
-              <a:t>5/31/2021</a:t>
+              <a:t>6/3/2021</a:t>
             </a:fld>
             <a:endParaRPr lang="en-US" dirty="0"/>
           </a:p>
@@ -12549,6 +13003,348 @@
           <p:cNvPr id="2" name="Title 1">
             <a:extLst>
               <a:ext uri="{FF2B5EF4-FFF2-40B4-BE49-F238E27FC236}">
+                <a16:creationId xmlns:a16="http://schemas.microsoft.com/office/drawing/2014/main" id="{8D9E8960-1A29-4D38-8155-71E7358D9BC8}"/>
+              </a:ext>
+            </a:extLst>
+          </p:cNvPr>
+          <p:cNvSpPr>
+            <a:spLocks noGrp="1"/>
+          </p:cNvSpPr>
+          <p:nvPr>
+            <p:ph type="title"/>
+          </p:nvPr>
+        </p:nvSpPr>
+        <p:spPr/>
+        <p:txBody>
+          <a:bodyPr/>
+          <a:lstStyle/>
+          <a:p>
+            <a:r>
+              <a:rPr lang="en-US" dirty="0"/>
+              <a:t>Agenda</a:t>
+            </a:r>
+          </a:p>
+        </p:txBody>
+      </p:sp>
+      <p:sp>
+        <p:nvSpPr>
+          <p:cNvPr id="3" name="Content Placeholder 2">
+            <a:extLst>
+              <a:ext uri="{FF2B5EF4-FFF2-40B4-BE49-F238E27FC236}">
+                <a16:creationId xmlns:a16="http://schemas.microsoft.com/office/drawing/2014/main" id="{24862875-9BAC-480F-B517-1684332DD152}"/>
+              </a:ext>
+            </a:extLst>
+          </p:cNvPr>
+          <p:cNvSpPr>
+            <a:spLocks noGrp="1"/>
+          </p:cNvSpPr>
+          <p:nvPr>
+            <p:ph idx="1"/>
+          </p:nvPr>
+        </p:nvSpPr>
+        <p:spPr/>
+        <p:txBody>
+          <a:bodyPr/>
+          <a:lstStyle/>
+          <a:p>
+            <a:r>
+              <a:rPr lang="en-US" dirty="0"/>
+              <a:t>Describe the basic uses of exploratory research </a:t>
+            </a:r>
+          </a:p>
+          <a:p>
+            <a:r>
+              <a:rPr lang="en-US" dirty="0"/>
+              <a:t>Specify the key characteristics of exploratory research. Small scale and very flexible studies are used to generate ideas and insights </a:t>
+            </a:r>
+          </a:p>
+          <a:p>
+            <a:r>
+              <a:rPr lang="en-US" dirty="0"/>
+              <a:t>Discuss the various types of exploratory research and describe each </a:t>
+            </a:r>
+          </a:p>
+          <a:p>
+            <a:r>
+              <a:rPr lang="en-US" dirty="0"/>
+              <a:t>Identify the key person in a focus group </a:t>
+            </a:r>
+          </a:p>
+          <a:p>
+            <a:r>
+              <a:rPr lang="en-US" dirty="0"/>
+              <a:t>Discuss two major pitfalls to avoid with focus groups (or any other form of exploratory research)</a:t>
+            </a:r>
+          </a:p>
+          <a:p>
+            <a:pPr marL="0" indent="0">
+              <a:buNone/>
+            </a:pPr>
+            <a:endParaRPr lang="en-US" dirty="0"/>
+          </a:p>
+          <a:p>
+            <a:endParaRPr lang="en-US" dirty="0"/>
+          </a:p>
+        </p:txBody>
+      </p:sp>
+      <p:sp>
+        <p:nvSpPr>
+          <p:cNvPr id="4" name="Footer Placeholder 3">
+            <a:extLst>
+              <a:ext uri="{FF2B5EF4-FFF2-40B4-BE49-F238E27FC236}">
+                <a16:creationId xmlns:a16="http://schemas.microsoft.com/office/drawing/2014/main" id="{56FEE613-B0F5-4D7A-8FF3-32EB18A8C8E5}"/>
+              </a:ext>
+            </a:extLst>
+          </p:cNvPr>
+          <p:cNvSpPr>
+            <a:spLocks noGrp="1"/>
+          </p:cNvSpPr>
+          <p:nvPr>
+            <p:ph type="ftr" sz="quarter" idx="11"/>
+          </p:nvPr>
+        </p:nvSpPr>
+        <p:spPr/>
+        <p:txBody>
+          <a:bodyPr/>
+          <a:lstStyle/>
+          <a:p>
+            <a:r>
+              <a:rPr lang="en-US"/>
+              <a:t>Mike Nguyen</a:t>
+            </a:r>
+            <a:endParaRPr lang="en-US" dirty="0"/>
+          </a:p>
+        </p:txBody>
+      </p:sp>
+      <p:sp>
+        <p:nvSpPr>
+          <p:cNvPr id="5" name="Slide Number Placeholder 4">
+            <a:extLst>
+              <a:ext uri="{FF2B5EF4-FFF2-40B4-BE49-F238E27FC236}">
+                <a16:creationId xmlns:a16="http://schemas.microsoft.com/office/drawing/2014/main" id="{F96D718D-1CCB-47EA-9C05-340A75C48CE4}"/>
+              </a:ext>
+            </a:extLst>
+          </p:cNvPr>
+          <p:cNvSpPr>
+            <a:spLocks noGrp="1"/>
+          </p:cNvSpPr>
+          <p:nvPr>
+            <p:ph type="sldNum" sz="quarter" idx="12"/>
+          </p:nvPr>
+        </p:nvSpPr>
+        <p:spPr/>
+        <p:txBody>
+          <a:bodyPr/>
+          <a:lstStyle/>
+          <a:p>
+            <a:fld id="{A6AF1B4E-90EC-4A51-B6E5-B702C054ECB0}" type="slidenum">
+              <a:rPr lang="en-US" smtClean="0"/>
+              <a:t>4</a:t>
+            </a:fld>
+            <a:endParaRPr lang="en-US" dirty="0"/>
+          </a:p>
+        </p:txBody>
+      </p:sp>
+    </p:spTree>
+    <p:extLst>
+      <p:ext uri="{BB962C8B-B14F-4D97-AF65-F5344CB8AC3E}">
+        <p14:creationId xmlns:p14="http://schemas.microsoft.com/office/powerpoint/2010/main" val="3337197266"/>
+      </p:ext>
+    </p:extLst>
+  </p:cSld>
+  <p:clrMapOvr>
+    <a:masterClrMapping/>
+  </p:clrMapOvr>
+</p:sld>
+</file>
+
+<file path=ppt/slides/slide5.xml><?xml version="1.0" encoding="utf-8"?>
+<p:sld xmlns:a="http://schemas.openxmlformats.org/drawingml/2006/main" xmlns:r="http://schemas.openxmlformats.org/officeDocument/2006/relationships" xmlns:p="http://schemas.openxmlformats.org/presentationml/2006/main">
+  <p:cSld>
+    <p:spTree>
+      <p:nvGrpSpPr>
+        <p:cNvPr id="1" name=""/>
+        <p:cNvGrpSpPr/>
+        <p:nvPr/>
+      </p:nvGrpSpPr>
+      <p:grpSpPr>
+        <a:xfrm>
+          <a:off x="0" y="0"/>
+          <a:ext cx="0" cy="0"/>
+          <a:chOff x="0" y="0"/>
+          <a:chExt cx="0" cy="0"/>
+        </a:xfrm>
+      </p:grpSpPr>
+      <p:sp>
+        <p:nvSpPr>
+          <p:cNvPr id="2" name="Title 1">
+            <a:extLst>
+              <a:ext uri="{FF2B5EF4-FFF2-40B4-BE49-F238E27FC236}">
+                <a16:creationId xmlns:a16="http://schemas.microsoft.com/office/drawing/2014/main" id="{3D9DDF1D-3C0E-4EB1-A5B1-38885987095E}"/>
+              </a:ext>
+            </a:extLst>
+          </p:cNvPr>
+          <p:cNvSpPr>
+            <a:spLocks noGrp="1"/>
+          </p:cNvSpPr>
+          <p:nvPr>
+            <p:ph type="title"/>
+          </p:nvPr>
+        </p:nvSpPr>
+        <p:spPr/>
+        <p:txBody>
+          <a:bodyPr/>
+          <a:lstStyle/>
+          <a:p>
+            <a:r>
+              <a:rPr lang="en-US" dirty="0"/>
+              <a:t>Exploratory Research</a:t>
+            </a:r>
+          </a:p>
+        </p:txBody>
+      </p:sp>
+      <p:sp>
+        <p:nvSpPr>
+          <p:cNvPr id="3" name="Content Placeholder 2">
+            <a:extLst>
+              <a:ext uri="{FF2B5EF4-FFF2-40B4-BE49-F238E27FC236}">
+                <a16:creationId xmlns:a16="http://schemas.microsoft.com/office/drawing/2014/main" id="{25BC324E-1BF8-482C-BCE0-D2093ED1D09A}"/>
+              </a:ext>
+            </a:extLst>
+          </p:cNvPr>
+          <p:cNvSpPr>
+            <a:spLocks noGrp="1"/>
+          </p:cNvSpPr>
+          <p:nvPr>
+            <p:ph idx="1"/>
+          </p:nvPr>
+        </p:nvSpPr>
+        <p:spPr/>
+        <p:txBody>
+          <a:bodyPr/>
+          <a:lstStyle/>
+          <a:p>
+            <a:r>
+              <a:rPr lang="en-US" dirty="0"/>
+              <a:t>Research conducted to gain ideas and insights to better define the problem or opportunity confronting a manager</a:t>
+            </a:r>
+          </a:p>
+          <a:p>
+            <a:r>
+              <a:rPr lang="en-US" dirty="0"/>
+              <a:t>When conducted correctly, exploratory research should provide a better understanding of the situation and possibly yield hypotheses – but this kind of research is not designed to come up with final answers and decisions </a:t>
+            </a:r>
+          </a:p>
+          <a:p>
+            <a:r>
+              <a:rPr lang="en-US" dirty="0"/>
+              <a:t>Small scale </a:t>
+            </a:r>
+          </a:p>
+          <a:p>
+            <a:r>
+              <a:rPr lang="en-US" dirty="0"/>
+              <a:t>Flexible </a:t>
+            </a:r>
+          </a:p>
+          <a:p>
+            <a:endParaRPr lang="en-US" dirty="0"/>
+          </a:p>
+        </p:txBody>
+      </p:sp>
+      <p:sp>
+        <p:nvSpPr>
+          <p:cNvPr id="4" name="Footer Placeholder 3">
+            <a:extLst>
+              <a:ext uri="{FF2B5EF4-FFF2-40B4-BE49-F238E27FC236}">
+                <a16:creationId xmlns:a16="http://schemas.microsoft.com/office/drawing/2014/main" id="{2216B058-88CC-4E3E-AFDA-4CEFB72ED855}"/>
+              </a:ext>
+            </a:extLst>
+          </p:cNvPr>
+          <p:cNvSpPr>
+            <a:spLocks noGrp="1"/>
+          </p:cNvSpPr>
+          <p:nvPr>
+            <p:ph type="ftr" sz="quarter" idx="11"/>
+          </p:nvPr>
+        </p:nvSpPr>
+        <p:spPr/>
+        <p:txBody>
+          <a:bodyPr/>
+          <a:lstStyle/>
+          <a:p>
+            <a:r>
+              <a:rPr lang="en-US"/>
+              <a:t>Mike Nguyen</a:t>
+            </a:r>
+            <a:endParaRPr lang="en-US" dirty="0"/>
+          </a:p>
+        </p:txBody>
+      </p:sp>
+      <p:sp>
+        <p:nvSpPr>
+          <p:cNvPr id="5" name="Slide Number Placeholder 4">
+            <a:extLst>
+              <a:ext uri="{FF2B5EF4-FFF2-40B4-BE49-F238E27FC236}">
+                <a16:creationId xmlns:a16="http://schemas.microsoft.com/office/drawing/2014/main" id="{AC1787F5-6F07-4139-9420-B53FC4D7C535}"/>
+              </a:ext>
+            </a:extLst>
+          </p:cNvPr>
+          <p:cNvSpPr>
+            <a:spLocks noGrp="1"/>
+          </p:cNvSpPr>
+          <p:nvPr>
+            <p:ph type="sldNum" sz="quarter" idx="12"/>
+          </p:nvPr>
+        </p:nvSpPr>
+        <p:spPr/>
+        <p:txBody>
+          <a:bodyPr/>
+          <a:lstStyle/>
+          <a:p>
+            <a:fld id="{A6AF1B4E-90EC-4A51-B6E5-B702C054ECB0}" type="slidenum">
+              <a:rPr lang="en-US" smtClean="0"/>
+              <a:t>5</a:t>
+            </a:fld>
+            <a:endParaRPr lang="en-US" dirty="0"/>
+          </a:p>
+        </p:txBody>
+      </p:sp>
+    </p:spTree>
+    <p:extLst>
+      <p:ext uri="{BB962C8B-B14F-4D97-AF65-F5344CB8AC3E}">
+        <p14:creationId xmlns:p14="http://schemas.microsoft.com/office/powerpoint/2010/main" val="1750704425"/>
+      </p:ext>
+    </p:extLst>
+  </p:cSld>
+  <p:clrMapOvr>
+    <a:masterClrMapping/>
+  </p:clrMapOvr>
+</p:sld>
+</file>
+
+<file path=ppt/slides/slide6.xml><?xml version="1.0" encoding="utf-8"?>
+<p:sld xmlns:a="http://schemas.openxmlformats.org/drawingml/2006/main" xmlns:r="http://schemas.openxmlformats.org/officeDocument/2006/relationships" xmlns:p="http://schemas.openxmlformats.org/presentationml/2006/main">
+  <p:cSld>
+    <p:spTree>
+      <p:nvGrpSpPr>
+        <p:cNvPr id="1" name=""/>
+        <p:cNvGrpSpPr/>
+        <p:nvPr/>
+      </p:nvGrpSpPr>
+      <p:grpSpPr>
+        <a:xfrm>
+          <a:off x="0" y="0"/>
+          <a:ext cx="0" cy="0"/>
+          <a:chOff x="0" y="0"/>
+          <a:chExt cx="0" cy="0"/>
+        </a:xfrm>
+      </p:grpSpPr>
+      <p:sp>
+        <p:nvSpPr>
+          <p:cNvPr id="2" name="Title 1">
+            <a:extLst>
+              <a:ext uri="{FF2B5EF4-FFF2-40B4-BE49-F238E27FC236}">
                 <a16:creationId xmlns:a16="http://schemas.microsoft.com/office/drawing/2014/main" id="{300BAB0E-CE14-461A-A50A-14D41547C12C}"/>
               </a:ext>
             </a:extLst>
@@ -12649,7 +13445,7 @@
           <a:p>
             <a:fld id="{A6AF1B4E-90EC-4A51-B6E5-B702C054ECB0}" type="slidenum">
               <a:rPr lang="en-US" smtClean="0"/>
-              <a:t>4</a:t>
+              <a:t>6</a:t>
             </a:fld>
             <a:endParaRPr lang="en-US" dirty="0"/>
           </a:p>
@@ -13554,6 +14350,23 @@
 </file>
 
 <file path=customXml/item1.xml><?xml version="1.0" encoding="utf-8"?>
+<?mso-contentType ?>
+<FormTemplates xmlns="http://schemas.microsoft.com/sharepoint/v3/contenttype/forms">
+  <Display>DocumentLibraryForm</Display>
+  <Edit>DocumentLibraryForm</Edit>
+  <New>DocumentLibraryForm</New>
+</FormTemplates>
+</file>
+
+<file path=customXml/item2.xml><?xml version="1.0" encoding="utf-8"?>
+<p:properties xmlns:p="http://schemas.microsoft.com/office/2006/metadata/properties" xmlns:xsi="http://www.w3.org/2001/XMLSchema-instance" xmlns:pc="http://schemas.microsoft.com/office/infopath/2007/PartnerControls">
+  <documentManagement>
+    <MediaServiceKeyPoints xmlns="71af3243-3dd4-4a8d-8c0d-dd76da1f02a5" xsi:nil="true"/>
+  </documentManagement>
+</p:properties>
+</file>
+
+<file path=customXml/item3.xml><?xml version="1.0" encoding="utf-8"?>
 <ct:contentTypeSchema xmlns:ct="http://schemas.microsoft.com/office/2006/metadata/contentType" xmlns:ma="http://schemas.microsoft.com/office/2006/metadata/properties/metaAttributes" ct:_="" ma:_="" ma:contentTypeName="Document" ma:contentTypeID="0x01010079F111ED35F8CC479449609E8A0923A6" ma:contentTypeVersion="11" ma:contentTypeDescription="Create a new document." ma:contentTypeScope="" ma:versionID="96291512c1ee715ab617f4c07df79fc1">
   <xsd:schema xmlns:xsd="http://www.w3.org/2001/XMLSchema" xmlns:xs="http://www.w3.org/2001/XMLSchema" xmlns:p="http://schemas.microsoft.com/office/2006/metadata/properties" xmlns:ns2="71af3243-3dd4-4a8d-8c0d-dd76da1f02a5" xmlns:ns3="16c05727-aa75-4e4a-9b5f-8a80a1165891" targetNamespace="http://schemas.microsoft.com/office/2006/metadata/properties" ma:root="true" ma:fieldsID="8256c27c40ca5c40ce1cf6c44f0205df" ns2:_="" ns3:_="">
     <xsd:import namespace="71af3243-3dd4-4a8d-8c0d-dd76da1f02a5"/>
@@ -13764,24 +14577,25 @@
 </ct:contentTypeSchema>
 </file>
 
-<file path=customXml/item2.xml><?xml version="1.0" encoding="utf-8"?>
-<p:properties xmlns:p="http://schemas.microsoft.com/office/2006/metadata/properties" xmlns:xsi="http://www.w3.org/2001/XMLSchema-instance" xmlns:pc="http://schemas.microsoft.com/office/infopath/2007/PartnerControls">
-  <documentManagement>
-    <MediaServiceKeyPoints xmlns="71af3243-3dd4-4a8d-8c0d-dd76da1f02a5" xsi:nil="true"/>
-  </documentManagement>
-</p:properties>
+<file path=customXml/itemProps1.xml><?xml version="1.0" encoding="utf-8"?>
+<ds:datastoreItem xmlns:ds="http://schemas.openxmlformats.org/officeDocument/2006/customXml" ds:itemID="{5CA875DA-F9FD-4F83-A049-3B1027B542DE}">
+  <ds:schemaRefs>
+    <ds:schemaRef ds:uri="http://schemas.microsoft.com/sharepoint/v3/contenttype/forms"/>
+  </ds:schemaRefs>
+</ds:datastoreItem>
 </file>
 
-<file path=customXml/item3.xml><?xml version="1.0" encoding="utf-8"?>
-<?mso-contentType ?>
-<FormTemplates xmlns="http://schemas.microsoft.com/sharepoint/v3/contenttype/forms">
-  <Display>DocumentLibraryForm</Display>
-  <Edit>DocumentLibraryForm</Edit>
-  <New>DocumentLibraryForm</New>
-</FormTemplates>
+<file path=customXml/itemProps2.xml><?xml version="1.0" encoding="utf-8"?>
+<ds:datastoreItem xmlns:ds="http://schemas.openxmlformats.org/officeDocument/2006/customXml" ds:itemID="{03C7D9E6-B0D9-433E-BD46-EB60F64F4DA8}">
+  <ds:schemaRefs>
+    <ds:schemaRef ds:uri="http://schemas.microsoft.com/office/2006/metadata/properties"/>
+    <ds:schemaRef ds:uri="http://schemas.microsoft.com/office/infopath/2007/PartnerControls"/>
+    <ds:schemaRef ds:uri="71af3243-3dd4-4a8d-8c0d-dd76da1f02a5"/>
+  </ds:schemaRefs>
+</ds:datastoreItem>
 </file>
 
-<file path=customXml/itemProps1.xml><?xml version="1.0" encoding="utf-8"?>
+<file path=customXml/itemProps3.xml><?xml version="1.0" encoding="utf-8"?>
 <ds:datastoreItem xmlns:ds="http://schemas.openxmlformats.org/officeDocument/2006/customXml" ds:itemID="{B2AB02E3-5ADF-4BF0-9C1B-35CDF3FE95B0}">
   <ds:schemaRefs>
     <ds:schemaRef ds:uri="http://schemas.microsoft.com/office/2006/metadata/contentType"/>
@@ -13798,22 +14612,4 @@
     <ds:schemaRef ds:uri="http://schemas.microsoft.com/internal/obd"/>
   </ds:schemaRefs>
 </ds:datastoreItem>
-</file>
-
-<file path=customXml/itemProps2.xml><?xml version="1.0" encoding="utf-8"?>
-<ds:datastoreItem xmlns:ds="http://schemas.openxmlformats.org/officeDocument/2006/customXml" ds:itemID="{03C7D9E6-B0D9-433E-BD46-EB60F64F4DA8}">
-  <ds:schemaRefs>
-    <ds:schemaRef ds:uri="http://schemas.microsoft.com/office/2006/metadata/properties"/>
-    <ds:schemaRef ds:uri="http://schemas.microsoft.com/office/infopath/2007/PartnerControls"/>
-    <ds:schemaRef ds:uri="71af3243-3dd4-4a8d-8c0d-dd76da1f02a5"/>
-  </ds:schemaRefs>
-</ds:datastoreItem>
-</file>
-
-<file path=customXml/itemProps3.xml><?xml version="1.0" encoding="utf-8"?>
-<ds:datastoreItem xmlns:ds="http://schemas.openxmlformats.org/officeDocument/2006/customXml" ds:itemID="{5CA875DA-F9FD-4F83-A049-3B1027B542DE}">
-  <ds:schemaRefs>
-    <ds:schemaRef ds:uri="http://schemas.microsoft.com/sharepoint/v3/contenttype/forms"/>
-  </ds:schemaRefs>
-</ds:datastoreItem>
 </file>